--- a/Телеграм-Бот по развитию коммуникативных навыков.pptx
+++ b/Телеграм-Бот по развитию коммуникативных навыков.pptx
@@ -4658,7 +4658,7 @@
             </a:r>
             <a:r>
               <a:rPr lang="ru-RU" altLang="en-US"/>
-              <a:t> но и от части английского</a:t>
+              <a:t> но и отчасти английского</a:t>
             </a:r>
             <a:r>
               <a:rPr lang="en-US" altLang="ru-RU"/>
@@ -4706,7 +4706,7 @@
               <a:rPr lang="ru-RU" altLang="en-US"/>
               <a:t> какое еще упражнение можно добавить</a:t>
             </a:r>
-            <a:endParaRPr lang="en-US" altLang="ru-RU"/>
+            <a:endParaRPr lang="ru-RU" altLang="en-US"/>
           </a:p>
           <a:p>
             <a:pPr>
@@ -4854,7 +4854,7 @@
             </a:pPr>
             <a:r>
               <a:rPr lang="ru-RU" altLang="en-US"/>
-              <a:t>Случайная работа с </a:t>
+              <a:t>Незапланированная работа с </a:t>
             </a:r>
             <a:r>
               <a:rPr lang="en-US" altLang="ru-RU"/>
